--- a/L5._Spring_MVC_examples.pptx
+++ b/L5._Spring_MVC_examples.pptx
@@ -1177,7 +1177,7 @@
           <a:p>
             <a:fld id="{57AB2CCF-6392-2341-9465-4940AB074509}" type="datetimeFigureOut">
               <a:rPr lang="en-US" smtClean="0"/>
-              <a:t>7/5/2018</a:t>
+              <a:t>7/5/18</a:t>
             </a:fld>
             <a:endParaRPr lang="en-US"/>
           </a:p>
@@ -1575,7 +1575,7 @@
           <a:p>
             <a:fld id="{B89177DB-0FD5-FF41-B742-A09290095789}" type="datetimeFigureOut">
               <a:rPr lang="en-US" smtClean="0"/>
-              <a:t>7/5/2018</a:t>
+              <a:t>7/5/18</a:t>
             </a:fld>
             <a:endParaRPr lang="en-US"/>
           </a:p>
@@ -1745,7 +1745,7 @@
           <a:p>
             <a:fld id="{B89177DB-0FD5-FF41-B742-A09290095789}" type="datetimeFigureOut">
               <a:rPr lang="en-US" smtClean="0"/>
-              <a:t>7/5/2018</a:t>
+              <a:t>7/5/18</a:t>
             </a:fld>
             <a:endParaRPr lang="en-US"/>
           </a:p>
@@ -1925,7 +1925,7 @@
           <a:p>
             <a:fld id="{B89177DB-0FD5-FF41-B742-A09290095789}" type="datetimeFigureOut">
               <a:rPr lang="en-US" smtClean="0"/>
-              <a:t>7/5/2018</a:t>
+              <a:t>7/5/18</a:t>
             </a:fld>
             <a:endParaRPr lang="en-US"/>
           </a:p>
@@ -2095,7 +2095,7 @@
           <a:p>
             <a:fld id="{B89177DB-0FD5-FF41-B742-A09290095789}" type="datetimeFigureOut">
               <a:rPr lang="en-US" smtClean="0"/>
-              <a:t>7/5/2018</a:t>
+              <a:t>7/5/18</a:t>
             </a:fld>
             <a:endParaRPr lang="en-US"/>
           </a:p>
@@ -2341,7 +2341,7 @@
           <a:p>
             <a:fld id="{B89177DB-0FD5-FF41-B742-A09290095789}" type="datetimeFigureOut">
               <a:rPr lang="en-US" smtClean="0"/>
-              <a:t>7/5/2018</a:t>
+              <a:t>7/5/18</a:t>
             </a:fld>
             <a:endParaRPr lang="en-US"/>
           </a:p>
@@ -2573,7 +2573,7 @@
           <a:p>
             <a:fld id="{B89177DB-0FD5-FF41-B742-A09290095789}" type="datetimeFigureOut">
               <a:rPr lang="en-US" smtClean="0"/>
-              <a:t>7/5/2018</a:t>
+              <a:t>7/5/18</a:t>
             </a:fld>
             <a:endParaRPr lang="en-US"/>
           </a:p>
@@ -2940,7 +2940,7 @@
           <a:p>
             <a:fld id="{B89177DB-0FD5-FF41-B742-A09290095789}" type="datetimeFigureOut">
               <a:rPr lang="en-US" smtClean="0"/>
-              <a:t>7/5/2018</a:t>
+              <a:t>7/5/18</a:t>
             </a:fld>
             <a:endParaRPr lang="en-US"/>
           </a:p>
@@ -3058,7 +3058,7 @@
           <a:p>
             <a:fld id="{B89177DB-0FD5-FF41-B742-A09290095789}" type="datetimeFigureOut">
               <a:rPr lang="en-US" smtClean="0"/>
-              <a:t>7/5/2018</a:t>
+              <a:t>7/5/18</a:t>
             </a:fld>
             <a:endParaRPr lang="en-US"/>
           </a:p>
@@ -3153,7 +3153,7 @@
           <a:p>
             <a:fld id="{B89177DB-0FD5-FF41-B742-A09290095789}" type="datetimeFigureOut">
               <a:rPr lang="en-US" smtClean="0"/>
-              <a:t>7/5/2018</a:t>
+              <a:t>7/5/18</a:t>
             </a:fld>
             <a:endParaRPr lang="en-US"/>
           </a:p>
@@ -3430,7 +3430,7 @@
           <a:p>
             <a:fld id="{B89177DB-0FD5-FF41-B742-A09290095789}" type="datetimeFigureOut">
               <a:rPr lang="en-US" smtClean="0"/>
-              <a:t>7/5/2018</a:t>
+              <a:t>7/5/18</a:t>
             </a:fld>
             <a:endParaRPr lang="en-US"/>
           </a:p>
@@ -3687,7 +3687,7 @@
           <a:p>
             <a:fld id="{B89177DB-0FD5-FF41-B742-A09290095789}" type="datetimeFigureOut">
               <a:rPr lang="en-US" smtClean="0"/>
-              <a:t>7/5/2018</a:t>
+              <a:t>7/5/18</a:t>
             </a:fld>
             <a:endParaRPr lang="en-US"/>
           </a:p>
@@ -3900,7 +3900,7 @@
           <a:p>
             <a:fld id="{B89177DB-0FD5-FF41-B742-A09290095789}" type="datetimeFigureOut">
               <a:rPr lang="en-US" smtClean="0"/>
-              <a:t>7/5/2018</a:t>
+              <a:t>7/5/18</a:t>
             </a:fld>
             <a:endParaRPr lang="en-US"/>
           </a:p>
@@ -4850,7 +4850,7 @@
                 <a16:creationId xmlns:a16="http://schemas.microsoft.com/office/drawing/2014/main" id="{D12DDE76-C203-4047-9998-63900085B5E8}"/>
               </a:ext>
               <a:ext uri="{C183D7F6-B498-43B3-948B-1728B52AA6E4}">
-                <adec:decorative xmlns:adec="http://schemas.microsoft.com/office/drawing/2017/decorative" xmlns="" val="1"/>
+                <adec:decorative xmlns:adec="http://schemas.microsoft.com/office/drawing/2017/decorative" val="1"/>
               </a:ext>
             </a:extLst>
           </p:cNvPr>
@@ -5646,10 +5646,6 @@
             <a:pPr marL="0" indent="0">
               <a:buNone/>
             </a:pPr>
-            <a:r>
-              <a:rPr lang="en-CA" dirty="0"/>
-              <a:t/>
-            </a:r>
             <a:br>
               <a:rPr lang="en-CA" dirty="0"/>
             </a:br>
